--- a/Lessons/class5C/Class7C_Ethics.pptx
+++ b/Lessons/class5C/Class7C_Ethics.pptx
@@ -249,7 +249,7 @@
           <a:p>
             <a:fld id="{B0C0A60C-850A-4EA4-9C14-A8FE98B94505}" type="datetimeFigureOut">
               <a:rPr lang="en-US" smtClean="0"/>
-              <a:t>3/22/2022</a:t>
+              <a:t>3/24/2022</a:t>
             </a:fld>
             <a:endParaRPr lang="en-US"/>
           </a:p>
@@ -648,7 +648,7 @@
           <a:p>
             <a:fld id="{1CE4AF1E-0AEB-4BA7-9DE6-D425D6C32096}" type="datetime1">
               <a:rPr lang="en-US" smtClean="0"/>
-              <a:t>3/22/2022</a:t>
+              <a:t>3/24/2022</a:t>
             </a:fld>
             <a:endParaRPr lang="en-US"/>
           </a:p>
@@ -846,7 +846,7 @@
           <a:p>
             <a:fld id="{B39DD920-8610-41A2-9380-1D63F275BDE8}" type="datetime1">
               <a:rPr lang="en-US" smtClean="0"/>
-              <a:t>3/22/2022</a:t>
+              <a:t>3/24/2022</a:t>
             </a:fld>
             <a:endParaRPr lang="en-US"/>
           </a:p>
@@ -1202,7 +1202,7 @@
           <a:p>
             <a:fld id="{FBB23D04-66AF-4F15-A7D1-E6DAC57CBC22}" type="datetime1">
               <a:rPr lang="en-US" smtClean="0"/>
-              <a:t>3/22/2022</a:t>
+              <a:t>3/24/2022</a:t>
             </a:fld>
             <a:endParaRPr lang="en-US"/>
           </a:p>
@@ -1511,7 +1511,7 @@
           <a:p>
             <a:fld id="{2ECDFD12-EF46-4696-9CB6-160AEA3AB34F}" type="datetime1">
               <a:rPr lang="en-US" smtClean="0"/>
-              <a:t>3/22/2022</a:t>
+              <a:t>3/24/2022</a:t>
             </a:fld>
             <a:endParaRPr lang="en-US"/>
           </a:p>
@@ -1841,7 +1841,7 @@
           <a:p>
             <a:fld id="{A0B985B7-8EEC-45F3-9F96-FDF51A4CEA9B}" type="datetime1">
               <a:rPr lang="en-US" smtClean="0"/>
-              <a:t>3/22/2022</a:t>
+              <a:t>3/24/2022</a:t>
             </a:fld>
             <a:endParaRPr lang="en-US"/>
           </a:p>
@@ -2095,7 +2095,7 @@
           <a:p>
             <a:fld id="{A94E409F-3BD1-48E3-A0F2-8EA2CD47D806}" type="datetime1">
               <a:rPr lang="en-US" smtClean="0"/>
-              <a:t>3/22/2022</a:t>
+              <a:t>3/24/2022</a:t>
             </a:fld>
             <a:endParaRPr lang="en-US"/>
           </a:p>
@@ -2544,7 +2544,7 @@
           <a:p>
             <a:fld id="{23F73CFE-4826-40F5-82C2-DB3DE6A2C095}" type="datetime1">
               <a:rPr lang="en-US" smtClean="0"/>
-              <a:t>3/22/2022</a:t>
+              <a:t>3/24/2022</a:t>
             </a:fld>
             <a:endParaRPr lang="en-US"/>
           </a:p>
@@ -2733,7 +2733,7 @@
           <a:p>
             <a:fld id="{DE1A98E8-1502-47C4-A40E-8F277AD16228}" type="datetime1">
               <a:rPr lang="en-US" smtClean="0"/>
-              <a:t>3/22/2022</a:t>
+              <a:t>3/24/2022</a:t>
             </a:fld>
             <a:endParaRPr lang="en-US"/>
           </a:p>
@@ -2940,7 +2940,7 @@
           <a:p>
             <a:fld id="{DF5C74EF-EAFB-4DD9-9841-8474F25D3C1D}" type="datetime1">
               <a:rPr lang="en-US" smtClean="0"/>
-              <a:t>3/22/2022</a:t>
+              <a:t>3/24/2022</a:t>
             </a:fld>
             <a:endParaRPr lang="en-US"/>
           </a:p>
@@ -3347,7 +3347,7 @@
           <a:p>
             <a:fld id="{0C1DD097-A7F1-4360-AF73-5BABC7642A34}" type="datetime1">
               <a:rPr lang="en-US" smtClean="0"/>
-              <a:t>3/22/2022</a:t>
+              <a:t>3/24/2022</a:t>
             </a:fld>
             <a:endParaRPr lang="en-US"/>
           </a:p>
@@ -3680,7 +3680,7 @@
           <a:p>
             <a:fld id="{C66F1754-A320-46BB-A9C8-C57700F12D28}" type="datetime1">
               <a:rPr lang="en-US" smtClean="0"/>
-              <a:t>3/22/2022</a:t>
+              <a:t>3/24/2022</a:t>
             </a:fld>
             <a:endParaRPr lang="en-US"/>
           </a:p>
@@ -3971,7 +3971,7 @@
           <a:p>
             <a:fld id="{B6ADA870-C467-451E-B937-8E9099B76310}" type="datetime1">
               <a:rPr lang="en-US" smtClean="0"/>
-              <a:t>3/22/2022</a:t>
+              <a:t>3/24/2022</a:t>
             </a:fld>
             <a:endParaRPr lang="en-US"/>
           </a:p>
@@ -4405,7 +4405,7 @@
           <a:p>
             <a:r>
               <a:rPr lang="en-US" dirty="0"/>
-              <a:t>GSERM: Text Mining &amp; NLP</a:t>
+              <a:t>Text Mining &amp; NLP</a:t>
             </a:r>
             <a:br>
               <a:rPr lang="en-US" dirty="0"/>
@@ -4456,7 +4456,7 @@
           <a:p>
             <a:fld id="{B5BD86CE-73FA-488D-886D-1B3467714B33}" type="datetime1">
               <a:rPr lang="en-US" smtClean="0"/>
-              <a:t>3/22/2022</a:t>
+              <a:t>3/24/2022</a:t>
             </a:fld>
             <a:endParaRPr lang="en-US"/>
           </a:p>
@@ -4556,7 +4556,7 @@
           <a:p>
             <a:fld id="{83125218-90CC-46DD-811B-C1AF54F09123}" type="datetime1">
               <a:rPr lang="en-US" smtClean="0"/>
-              <a:t>3/22/2022</a:t>
+              <a:t>3/24/2022</a:t>
             </a:fld>
             <a:endParaRPr lang="en-US"/>
           </a:p>
@@ -4730,7 +4730,7 @@
           <a:p>
             <a:fld id="{A762573C-13FC-4A1A-9DC5-983A7318AE0D}" type="datetime1">
               <a:rPr lang="en-US" smtClean="0"/>
-              <a:t>3/22/2022</a:t>
+              <a:t>3/24/2022</a:t>
             </a:fld>
             <a:endParaRPr lang="en-US"/>
           </a:p>
@@ -4953,7 +4953,7 @@
           <a:p>
             <a:fld id="{D5083CCA-303D-4235-90F5-631299BD10B1}" type="datetime1">
               <a:rPr lang="en-US" smtClean="0"/>
-              <a:t>3/22/2022</a:t>
+              <a:t>3/24/2022</a:t>
             </a:fld>
             <a:endParaRPr lang="en-US"/>
           </a:p>
@@ -5176,7 +5176,7 @@
           <a:p>
             <a:fld id="{5E66CC6D-010A-49F7-9F0C-1520A58CF233}" type="datetime1">
               <a:rPr lang="en-US" smtClean="0"/>
-              <a:t>3/22/2022</a:t>
+              <a:t>3/24/2022</a:t>
             </a:fld>
             <a:endParaRPr lang="en-US"/>
           </a:p>
@@ -5399,7 +5399,7 @@
           <a:p>
             <a:fld id="{FA0647EC-F6E7-4197-A0C6-403CF1E94521}" type="datetime1">
               <a:rPr lang="en-US" smtClean="0"/>
-              <a:t>3/22/2022</a:t>
+              <a:t>3/24/2022</a:t>
             </a:fld>
             <a:endParaRPr lang="en-US"/>
           </a:p>
@@ -5622,7 +5622,7 @@
           <a:p>
             <a:fld id="{746F4705-B162-44C2-83C3-E8D3F11EADDA}" type="datetime1">
               <a:rPr lang="en-US" smtClean="0"/>
-              <a:t>3/22/2022</a:t>
+              <a:t>3/24/2022</a:t>
             </a:fld>
             <a:endParaRPr lang="en-US"/>
           </a:p>
@@ -5786,15 +5786,15 @@
                   <a:schemeClr val="tx1"/>
                 </a:solidFill>
               </a:rPr>
-              <a:t>Do Technical </a:t>
+              <a:t>Do </a:t>
             </a:r>
             <a:r>
-              <a:rPr lang="en-US" sz="1600" dirty="0" err="1">
+              <a:rPr lang="en-US" sz="1600">
                 <a:solidFill>
                   <a:schemeClr val="tx1"/>
                 </a:solidFill>
               </a:rPr>
-              <a:t>researcher,s</a:t>
+              <a:t>Technical researchers </a:t>
             </a:r>
             <a:r>
               <a:rPr lang="en-US" sz="1600" dirty="0">
@@ -5802,7 +5802,7 @@
                   <a:schemeClr val="tx1"/>
                 </a:solidFill>
               </a:rPr>
-              <a:t> and machine learning engineers have a duty to inform others about the bias?  Does the duty to inform shortcomings stop at management?</a:t>
+              <a:t>and machine learning engineers have a duty to inform others about the bias?  Does the duty to inform shortcomings stop at management?</a:t>
             </a:r>
           </a:p>
           <a:p>
@@ -5916,7 +5916,7 @@
           <a:p>
             <a:fld id="{93488594-6676-41B8-87E1-94B2E2CE4A29}" type="datetime1">
               <a:rPr lang="en-US" smtClean="0"/>
-              <a:t>3/22/2022</a:t>
+              <a:t>3/24/2022</a:t>
             </a:fld>
             <a:endParaRPr lang="en-US"/>
           </a:p>
@@ -6139,7 +6139,7 @@
           <a:p>
             <a:fld id="{42BE7B31-3951-49AE-B4D1-A31160DE0C9F}" type="datetime1">
               <a:rPr lang="en-US" smtClean="0"/>
-              <a:t>3/22/2022</a:t>
+              <a:t>3/24/2022</a:t>
             </a:fld>
             <a:endParaRPr lang="en-US"/>
           </a:p>
@@ -6362,7 +6362,7 @@
           <a:p>
             <a:fld id="{1336EA26-ED29-462D-9226-3C7632F10C33}" type="datetime1">
               <a:rPr lang="en-US" smtClean="0"/>
-              <a:t>3/22/2022</a:t>
+              <a:t>3/24/2022</a:t>
             </a:fld>
             <a:endParaRPr lang="en-US"/>
           </a:p>
@@ -6592,7 +6592,7 @@
           <a:p>
             <a:fld id="{8FE91A32-026B-4518-A049-A312D8136190}" type="datetime1">
               <a:rPr lang="en-US" smtClean="0"/>
-              <a:t>3/22/2022</a:t>
+              <a:t>3/24/2022</a:t>
             </a:fld>
             <a:endParaRPr lang="en-US"/>
           </a:p>
@@ -6821,7 +6821,7 @@
           <a:p>
             <a:fld id="{6568892E-955C-4C5B-A406-EA76546196C1}" type="datetime1">
               <a:rPr lang="en-US" smtClean="0"/>
-              <a:t>3/22/2022</a:t>
+              <a:t>3/24/2022</a:t>
             </a:fld>
             <a:endParaRPr lang="en-US"/>
           </a:p>
@@ -7062,7 +7062,7 @@
           <a:p>
             <a:fld id="{354B9412-2966-46B7-9EFD-B41C5C8C84C0}" type="datetime1">
               <a:rPr lang="en-US" smtClean="0"/>
-              <a:t>3/22/2022</a:t>
+              <a:t>3/24/2022</a:t>
             </a:fld>
             <a:endParaRPr lang="en-US"/>
           </a:p>
@@ -7285,7 +7285,7 @@
           <a:p>
             <a:fld id="{1DE7684C-FA8F-4DA7-A1A6-92EC0F4D732B}" type="datetime1">
               <a:rPr lang="en-US" smtClean="0"/>
-              <a:t>3/22/2022</a:t>
+              <a:t>3/24/2022</a:t>
             </a:fld>
             <a:endParaRPr lang="en-US"/>
           </a:p>
@@ -7609,7 +7609,7 @@
                 <a:ea typeface="+mn-ea"/>
                 <a:cs typeface="+mn-cs"/>
               </a:rPr>
-              <a:t>3/22/2022</a:t>
+              <a:t>3/24/2022</a:t>
             </a:fld>
             <a:endParaRPr kumimoji="0" lang="en-US" sz="900" b="0" i="0" u="none" strike="noStrike" kern="1200" cap="none" spc="0" normalizeH="0" baseline="0" noProof="0">
               <a:ln>
@@ -8106,7 +8106,7 @@
                 <a:ea typeface="+mn-ea"/>
                 <a:cs typeface="+mn-cs"/>
               </a:rPr>
-              <a:t>3/22/2022</a:t>
+              <a:t>3/24/2022</a:t>
             </a:fld>
             <a:endParaRPr kumimoji="0" lang="en-US" sz="900" b="0" i="0" u="none" strike="noStrike" kern="1200" cap="none" spc="0" normalizeH="0" baseline="0" noProof="0">
               <a:ln>
@@ -8978,7 +8978,7 @@
                 <a:ea typeface="+mn-ea"/>
                 <a:cs typeface="+mn-cs"/>
               </a:rPr>
-              <a:t>3/22/2022</a:t>
+              <a:t>3/24/2022</a:t>
             </a:fld>
             <a:endParaRPr kumimoji="0" lang="en-US" sz="900" b="0" i="0" u="none" strike="noStrike" kern="1200" cap="none" spc="0" normalizeH="0" baseline="0" noProof="0">
               <a:ln>
@@ -13754,7 +13754,7 @@
                 <a:ea typeface="+mn-ea"/>
                 <a:cs typeface="+mn-cs"/>
               </a:rPr>
-              <a:t>3/22/2022</a:t>
+              <a:t>3/24/2022</a:t>
             </a:fld>
             <a:endParaRPr kumimoji="0" lang="en-US" sz="900" b="0" i="0" u="none" strike="noStrike" kern="1200" cap="none" spc="0" normalizeH="0" baseline="0" noProof="0">
               <a:ln>
@@ -17109,7 +17109,7 @@
           <a:p>
             <a:fld id="{1682BD28-81F9-4C55-8B38-9F78785699A5}" type="datetime1">
               <a:rPr lang="en-US" smtClean="0"/>
-              <a:t>3/22/2022</a:t>
+              <a:t>3/24/2022</a:t>
             </a:fld>
             <a:endParaRPr lang="en-US"/>
           </a:p>
@@ -27257,7 +27257,7 @@
           <a:p>
             <a:fld id="{3588A3CE-725A-410E-BB27-D545BD92B338}" type="datetime1">
               <a:rPr lang="en-US" smtClean="0"/>
-              <a:t>3/22/2022</a:t>
+              <a:t>3/24/2022</a:t>
             </a:fld>
             <a:endParaRPr lang="en-US"/>
           </a:p>
@@ -27817,7 +27817,7 @@
           <a:p>
             <a:fld id="{1AB8CE22-EE51-41BF-891A-0AFBCA74E262}" type="datetime1">
               <a:rPr lang="en-US" smtClean="0"/>
-              <a:t>3/22/2022</a:t>
+              <a:t>3/24/2022</a:t>
             </a:fld>
             <a:endParaRPr lang="en-US"/>
           </a:p>
@@ -28345,7 +28345,7 @@
           <a:p>
             <a:fld id="{AF012256-EAE3-4B84-8A0F-732D4841D4FA}" type="datetime1">
               <a:rPr lang="en-US" smtClean="0"/>
-              <a:t>3/22/2022</a:t>
+              <a:t>3/24/2022</a:t>
             </a:fld>
             <a:endParaRPr lang="en-US"/>
           </a:p>
@@ -28526,7 +28526,7 @@
           <a:p>
             <a:fld id="{CBA3D240-AE7F-4119-9784-ECEB5C7123D1}" type="datetime1">
               <a:rPr lang="en-US" smtClean="0"/>
-              <a:t>3/22/2022</a:t>
+              <a:t>3/24/2022</a:t>
             </a:fld>
             <a:endParaRPr lang="en-US"/>
           </a:p>
@@ -28665,6 +28665,58 @@
               <a:t>3</a:t>
             </a:fld>
             <a:endParaRPr lang="en-US" dirty="0"/>
+          </a:p>
+        </p:txBody>
+      </p:sp>
+      <p:sp>
+        <p:nvSpPr>
+          <p:cNvPr id="8" name="TextBox 7">
+            <a:extLst>
+              <a:ext uri="{FF2B5EF4-FFF2-40B4-BE49-F238E27FC236}">
+                <a16:creationId xmlns:a16="http://schemas.microsoft.com/office/drawing/2014/main" id="{04E3151A-5DC3-47D7-8EA9-40BCE6F59E9C}"/>
+              </a:ext>
+            </a:extLst>
+          </p:cNvPr>
+          <p:cNvSpPr txBox="1"/>
+          <p:nvPr/>
+        </p:nvSpPr>
+        <p:spPr>
+          <a:xfrm>
+            <a:off x="951270" y="5255066"/>
+            <a:ext cx="6806381" cy="646331"/>
+          </a:xfrm>
+          <a:prstGeom prst="rect">
+            <a:avLst/>
+          </a:prstGeom>
+          <a:noFill/>
+        </p:spPr>
+        <p:txBody>
+          <a:bodyPr wrap="square">
+            <a:spAutoFit/>
+          </a:bodyPr>
+          <a:lstStyle/>
+          <a:p>
+            <a:r>
+              <a:rPr lang="en-US" b="1" i="0" dirty="0">
+                <a:solidFill>
+                  <a:srgbClr val="202124"/>
+                </a:solidFill>
+                <a:effectLst/>
+                <a:latin typeface="Roboto" panose="02000000000000000000" pitchFamily="2" charset="0"/>
+              </a:rPr>
+              <a:t>Oxymoron examples – </a:t>
+            </a:r>
+            <a:r>
+              <a:rPr lang="en-US" i="1" dirty="0">
+                <a:solidFill>
+                  <a:srgbClr val="202124"/>
+                </a:solidFill>
+                <a:effectLst/>
+                <a:latin typeface="Roboto" panose="02000000000000000000" pitchFamily="2" charset="0"/>
+              </a:rPr>
+              <a:t>“Awfully good,” “bittersweet,” “same difference,” and “original copy”</a:t>
+            </a:r>
+            <a:endParaRPr lang="en-US" i="1" dirty="0"/>
           </a:p>
         </p:txBody>
       </p:sp>
@@ -28890,7 +28942,7 @@
           <a:p>
             <a:fld id="{C363EB12-258F-49F4-BFE4-05FD8E56BD35}" type="datetime1">
               <a:rPr lang="en-US" smtClean="0"/>
-              <a:t>3/22/2022</a:t>
+              <a:t>3/24/2022</a:t>
             </a:fld>
             <a:endParaRPr lang="en-US"/>
           </a:p>
@@ -29302,7 +29354,7 @@
           <a:p>
             <a:fld id="{35B9946C-E680-4EF8-87F9-E5186A40A4D6}" type="datetime1">
               <a:rPr lang="en-US" smtClean="0"/>
-              <a:t>3/22/2022</a:t>
+              <a:t>3/24/2022</a:t>
             </a:fld>
             <a:endParaRPr lang="en-US"/>
           </a:p>
@@ -29719,7 +29771,7 @@
           <a:p>
             <a:fld id="{FA494016-D420-418F-A36B-A0BAFA4289D2}" type="datetime1">
               <a:rPr lang="en-US" smtClean="0"/>
-              <a:t>3/22/2022</a:t>
+              <a:t>3/24/2022</a:t>
             </a:fld>
             <a:endParaRPr lang="en-US"/>
           </a:p>
@@ -30138,7 +30190,7 @@
           <a:p>
             <a:fld id="{41BE1967-67E2-4754-AEFF-9A7452879034}" type="datetime1">
               <a:rPr lang="en-US" smtClean="0"/>
-              <a:t>3/22/2022</a:t>
+              <a:t>3/24/2022</a:t>
             </a:fld>
             <a:endParaRPr lang="en-US"/>
           </a:p>
@@ -30354,7 +30406,7 @@
           <a:p>
             <a:fld id="{B87C331C-47B5-4210-93E9-48E16FB3280F}" type="datetime1">
               <a:rPr lang="en-US" smtClean="0"/>
-              <a:t>3/22/2022</a:t>
+              <a:t>3/24/2022</a:t>
             </a:fld>
             <a:endParaRPr lang="en-US"/>
           </a:p>
@@ -30825,7 +30877,7 @@
           <a:p>
             <a:fld id="{193C737F-F84E-4A3C-96EE-778BC81DBC32}" type="datetime1">
               <a:rPr lang="en-US" smtClean="0"/>
-              <a:t>3/22/2022</a:t>
+              <a:t>3/24/2022</a:t>
             </a:fld>
             <a:endParaRPr lang="en-US"/>
           </a:p>
@@ -31050,7 +31102,7 @@
           <a:p>
             <a:fld id="{CBA03A28-0C02-4171-8D8F-BA76205253BB}" type="datetime1">
               <a:rPr lang="en-US" smtClean="0"/>
-              <a:t>3/22/2022</a:t>
+              <a:t>3/24/2022</a:t>
             </a:fld>
             <a:endParaRPr lang="en-US"/>
           </a:p>
@@ -31274,7 +31326,7 @@
           <a:p>
             <a:fld id="{44E4AF07-4526-470D-9CDB-F240CF114C3C}" type="datetime1">
               <a:rPr lang="en-US" smtClean="0"/>
-              <a:t>3/22/2022</a:t>
+              <a:t>3/24/2022</a:t>
             </a:fld>
             <a:endParaRPr lang="en-US"/>
           </a:p>
@@ -31471,7 +31523,7 @@
           <a:p>
             <a:fld id="{6002AE2E-FC17-4413-998C-02182AB0D49C}" type="datetime1">
               <a:rPr lang="en-US" smtClean="0"/>
-              <a:t>3/22/2022</a:t>
+              <a:t>3/24/2022</a:t>
             </a:fld>
             <a:endParaRPr lang="en-US"/>
           </a:p>
@@ -31673,7 +31725,7 @@
           <a:p>
             <a:fld id="{9F6563B2-A0D2-4700-8833-65F3A803C452}" type="datetime1">
               <a:rPr lang="en-US" smtClean="0"/>
-              <a:t>3/22/2022</a:t>
+              <a:t>3/24/2022</a:t>
             </a:fld>
             <a:endParaRPr lang="en-US"/>
           </a:p>
@@ -31811,7 +31863,7 @@
           <a:p>
             <a:fld id="{3953698B-7CBC-4724-95F2-ACA46A1CDD1C}" type="datetime1">
               <a:rPr lang="en-US" smtClean="0"/>
-              <a:t>3/22/2022</a:t>
+              <a:t>3/24/2022</a:t>
             </a:fld>
             <a:endParaRPr lang="en-US"/>
           </a:p>
@@ -32004,7 +32056,7 @@
           <a:p>
             <a:fld id="{8B05E053-4202-41CC-8C56-E997994C22EA}" type="datetime1">
               <a:rPr lang="en-US" smtClean="0"/>
-              <a:t>3/22/2022</a:t>
+              <a:t>3/24/2022</a:t>
             </a:fld>
             <a:endParaRPr lang="en-US"/>
           </a:p>
@@ -32197,7 +32249,7 @@
           <a:p>
             <a:fld id="{EF374ABB-C028-4382-8564-BF4F779E33B7}" type="datetime1">
               <a:rPr lang="en-US" smtClean="0"/>
-              <a:t>3/22/2022</a:t>
+              <a:t>3/24/2022</a:t>
             </a:fld>
             <a:endParaRPr lang="en-US"/>
           </a:p>
